--- a/bitcoin-en.pptx
+++ b/bitcoin-en.pptx
@@ -12,8 +12,8 @@
     <p:sldId id="257" r:id="rId3"/>
     <p:sldId id="258" r:id="rId4"/>
     <p:sldId id="264" r:id="rId5"/>
-    <p:sldId id="260" r:id="rId6"/>
-    <p:sldId id="259" r:id="rId7"/>
+    <p:sldId id="259" r:id="rId6"/>
+    <p:sldId id="260" r:id="rId7"/>
     <p:sldId id="261" r:id="rId8"/>
     <p:sldId id="263" r:id="rId9"/>
     <p:sldId id="298" r:id="rId10"/>
@@ -3992,7 +3992,15 @@
           <a:p>
             <a:r>
               <a:rPr lang="en-US" dirty="0" smtClean="0"/>
-              <a:t>Discuss how the government fits into this scheme</a:t>
+              <a:t>Discuss </a:t>
+            </a:r>
+            <a:r>
+              <a:rPr lang="en-US" dirty="0" smtClean="0"/>
+              <a:t>with you how </a:t>
+            </a:r>
+            <a:r>
+              <a:rPr lang="en-US" dirty="0" smtClean="0"/>
+              <a:t>the government fits into this scheme</a:t>
             </a:r>
           </a:p>
           <a:p>
@@ -4087,16 +4095,28 @@
           <a:lstStyle/>
           <a:p>
             <a:r>
-              <a:rPr lang="en-US" dirty="0" smtClean="0"/>
-              <a:t>Some of the </a:t>
-            </a:r>
-            <a:r>
               <a:rPr lang="en-US" dirty="0" err="1" smtClean="0"/>
               <a:t>bitcoin</a:t>
             </a:r>
             <a:r>
               <a:rPr lang="en-US" dirty="0" smtClean="0"/>
-              <a:t> creators and users don’t like governments</a:t>
+              <a:t> </a:t>
+            </a:r>
+            <a:r>
+              <a:rPr lang="en-US" dirty="0" smtClean="0"/>
+              <a:t>creators </a:t>
+            </a:r>
+            <a:r>
+              <a:rPr lang="en-US" dirty="0" smtClean="0"/>
+              <a:t>&amp; </a:t>
+            </a:r>
+            <a:r>
+              <a:rPr lang="en-US" dirty="0" smtClean="0"/>
+              <a:t>users </a:t>
+            </a:r>
+            <a:r>
+              <a:rPr lang="en-US" b="1" dirty="0" smtClean="0"/>
+              <a:t>don’t like governments</a:t>
             </a:r>
           </a:p>
           <a:p>
@@ -4106,13 +4126,21 @@
             </a:r>
             <a:r>
               <a:rPr lang="en-US" dirty="0" smtClean="0"/>
-              <a:t> is inherently an economy based on anarchy</a:t>
-            </a:r>
-          </a:p>
-          <a:p>
-            <a:r>
-              <a:rPr lang="en-US" dirty="0" smtClean="0"/>
-              <a:t>Many governments don’t like </a:t>
+              <a:t> is inherently an economy based on </a:t>
+            </a:r>
+            <a:r>
+              <a:rPr lang="en-US" b="1" dirty="0" smtClean="0"/>
+              <a:t>anarchy</a:t>
+            </a:r>
+          </a:p>
+          <a:p>
+            <a:r>
+              <a:rPr lang="en-US" dirty="0" smtClean="0"/>
+              <a:t>Many governments </a:t>
+            </a:r>
+            <a:r>
+              <a:rPr lang="en-US" dirty="0" smtClean="0"/>
+              <a:t>don’t like </a:t>
             </a:r>
             <a:r>
               <a:rPr lang="en-US" dirty="0" err="1" smtClean="0"/>
@@ -4121,45 +4149,90 @@
             <a:endParaRPr lang="en-US" dirty="0" smtClean="0"/>
           </a:p>
           <a:p>
-            <a:r>
-              <a:rPr lang="en-US" dirty="0" smtClean="0"/>
-              <a:t>But a government needs to know what </a:t>
-            </a:r>
+            <a:pPr lvl="1"/>
+            <a:r>
+              <a:rPr lang="en-US" dirty="0" smtClean="0"/>
+              <a:t>China made it illegal in 2009</a:t>
+            </a:r>
+            <a:endParaRPr lang="en-US" dirty="0" smtClean="0"/>
+          </a:p>
+          <a:p>
+            <a:r>
+              <a:rPr lang="en-US" dirty="0" smtClean="0"/>
+              <a:t>But a government needs to know </a:t>
+            </a:r>
+            <a:r>
+              <a:rPr lang="en-US" b="1" dirty="0" smtClean="0"/>
+              <a:t>what </a:t>
+            </a:r>
+            <a:r>
+              <a:rPr lang="en-US" b="1" dirty="0" err="1" smtClean="0"/>
+              <a:t>bitcoin</a:t>
+            </a:r>
+            <a:r>
+              <a:rPr lang="en-US" b="1" dirty="0" smtClean="0"/>
+              <a:t> is</a:t>
+            </a:r>
+          </a:p>
+          <a:p>
+            <a:r>
+              <a:rPr lang="en-US" dirty="0" smtClean="0"/>
+              <a:t>It </a:t>
+            </a:r>
+            <a:r>
+              <a:rPr lang="en-US" b="1" dirty="0" smtClean="0"/>
+              <a:t>cannot be </a:t>
+            </a:r>
+            <a:r>
+              <a:rPr lang="en-US" b="1" dirty="0" smtClean="0"/>
+              <a:t>ignored</a:t>
+            </a:r>
+            <a:endParaRPr lang="en-US" dirty="0" smtClean="0"/>
+          </a:p>
+          <a:p>
+            <a:r>
+              <a:rPr lang="en-US" dirty="0" smtClean="0"/>
+              <a:t>It </a:t>
+            </a:r>
+            <a:r>
+              <a:rPr lang="en-US" dirty="0" smtClean="0"/>
+              <a:t>cannot be </a:t>
+            </a:r>
+            <a:r>
+              <a:rPr lang="en-US" dirty="0" smtClean="0"/>
+              <a:t>easily </a:t>
+            </a:r>
+            <a:r>
+              <a:rPr lang="en-US" dirty="0" smtClean="0"/>
+              <a:t>illegalized</a:t>
+            </a:r>
+          </a:p>
+          <a:p>
             <a:r>
               <a:rPr lang="en-US" dirty="0" err="1" smtClean="0"/>
               <a:t>bitcoin</a:t>
             </a:r>
             <a:r>
               <a:rPr lang="en-US" dirty="0" smtClean="0"/>
-              <a:t> is</a:t>
-            </a:r>
-          </a:p>
-          <a:p>
-            <a:r>
-              <a:rPr lang="en-US" dirty="0" smtClean="0"/>
-              <a:t>It cannot be ignored; it cannot be </a:t>
-            </a:r>
-            <a:r>
-              <a:rPr lang="en-US" dirty="0"/>
-              <a:t>easily </a:t>
-            </a:r>
-            <a:r>
-              <a:rPr lang="en-US" dirty="0" smtClean="0"/>
-              <a:t> illegalized</a:t>
-            </a:r>
-          </a:p>
-          <a:p>
-            <a:r>
-              <a:rPr lang="en-US" dirty="0" smtClean="0"/>
-              <a:t>If </a:t>
-            </a:r>
-            <a:r>
-              <a:rPr lang="en-US" dirty="0" err="1" smtClean="0"/>
-              <a:t>bitcoin</a:t>
-            </a:r>
-            <a:r>
-              <a:rPr lang="en-US" dirty="0" smtClean="0"/>
-              <a:t> creates problems for the government, we need to discuss how to solve them</a:t>
+              <a:t> </a:t>
+            </a:r>
+            <a:r>
+              <a:rPr lang="en-US" dirty="0" smtClean="0"/>
+              <a:t>creates problems for the </a:t>
+            </a:r>
+            <a:r>
+              <a:rPr lang="en-US" dirty="0" smtClean="0"/>
+              <a:t>government?</a:t>
+            </a:r>
+          </a:p>
+          <a:p>
+            <a:r>
+              <a:rPr lang="en-US" dirty="0" smtClean="0"/>
+              <a:t>We </a:t>
+            </a:r>
+            <a:r>
+              <a:rPr lang="en-US" dirty="0" smtClean="0"/>
+              <a:t>need to discuss how to solve them</a:t>
             </a:r>
             <a:endParaRPr lang="el-GR" dirty="0"/>
           </a:p>
@@ -4231,7 +4304,7 @@
         <p:spPr/>
         <p:txBody>
           <a:bodyPr>
-            <a:normAutofit lnSpcReduction="10000"/>
+            <a:normAutofit fontScale="92500"/>
           </a:bodyPr>
           <a:lstStyle/>
           <a:p>
@@ -4255,7 +4328,6 @@
               <a:rPr lang="el-GR" b="1" dirty="0" smtClean="0"/>
               <a:t>€</a:t>
             </a:r>
-            <a:endParaRPr lang="el-GR" b="1" dirty="0" smtClean="0"/>
           </a:p>
           <a:p>
             <a:r>
@@ -4296,9 +4368,14 @@
             <a:endParaRPr lang="el-GR" b="1" dirty="0" smtClean="0"/>
           </a:p>
           <a:p>
-            <a:r>
-              <a:rPr lang="en-US" dirty="0" smtClean="0"/>
-              <a:t>Providing it cannot be cloned</a:t>
+            <a:pPr lvl="1"/>
+            <a:r>
+              <a:rPr lang="en-US" dirty="0" smtClean="0"/>
+              <a:t>…providing </a:t>
+            </a:r>
+            <a:r>
+              <a:rPr lang="en-US" dirty="0" smtClean="0"/>
+              <a:t>it cannot be cloned</a:t>
             </a:r>
             <a:endParaRPr lang="el-GR" dirty="0" smtClean="0"/>
           </a:p>
@@ -4333,7 +4410,15 @@
             </a:pPr>
             <a:r>
               <a:rPr lang="en-US" dirty="0" smtClean="0"/>
-              <a:t>This doesn’t require a central authority!</a:t>
+              <a:t>This doesn’t </a:t>
+            </a:r>
+            <a:r>
+              <a:rPr lang="en-US" dirty="0" smtClean="0"/>
+              <a:t>inherently require </a:t>
+            </a:r>
+            <a:r>
+              <a:rPr lang="en-US" dirty="0" smtClean="0"/>
+              <a:t>a central authority!</a:t>
             </a:r>
             <a:endParaRPr lang="el-GR" dirty="0" smtClean="0"/>
           </a:p>
@@ -4494,7 +4579,7 @@
                   </a:outerShdw>
                 </a:effectLst>
               </a:rPr>
-              <a:t>the central authority</a:t>
+              <a:t>central authorities</a:t>
             </a:r>
             <a:endParaRPr lang="el-GR" sz="3600" dirty="0">
               <a:solidFill>
@@ -6110,7 +6195,7 @@
         </p:nvSpPr>
         <p:spPr>
           <a:xfrm>
-            <a:off x="600623" y="381000"/>
+            <a:off x="447091" y="381000"/>
             <a:ext cx="771365" cy="523220"/>
           </a:xfrm>
           <a:prstGeom prst="rect">
@@ -6188,7 +6273,6 @@
               <a:rPr lang="en-US" sz="2400" b="1" dirty="0" smtClean="0"/>
               <a:t>Has 12BTC</a:t>
             </a:r>
-            <a:endParaRPr lang="en-US" sz="2400" b="1" dirty="0" smtClean="0"/>
           </a:p>
           <a:p>
             <a:endParaRPr lang="en-US" sz="2400" b="1" dirty="0"/>
@@ -6206,13 +6290,7 @@
               <a:rPr lang="en-US" sz="2400" b="1" dirty="0" smtClean="0">
                 <a:sym typeface="Wingdings" pitchFamily="2" charset="2"/>
               </a:rPr>
-              <a:t> </a:t>
-            </a:r>
-            <a:r>
-              <a:rPr lang="en-US" sz="2400" b="1" dirty="0" smtClean="0">
-                <a:sym typeface="Wingdings" pitchFamily="2" charset="2"/>
-              </a:rPr>
-              <a:t>“Send</a:t>
+              <a:t> “Send</a:t>
             </a:r>
             <a:r>
               <a:rPr lang="el-GR" sz="2400" b="1" dirty="0" smtClean="0">
@@ -6224,19 +6302,7 @@
               <a:rPr lang="en-US" sz="2400" b="1" dirty="0" smtClean="0">
                 <a:sym typeface="Wingdings" pitchFamily="2" charset="2"/>
               </a:rPr>
-              <a:t>12BTC </a:t>
-            </a:r>
-            <a:r>
-              <a:rPr lang="en-US" sz="2400" b="1" dirty="0" smtClean="0">
-                <a:sym typeface="Wingdings" pitchFamily="2" charset="2"/>
-              </a:rPr>
-              <a:t>to Alice</a:t>
-            </a:r>
-            <a:r>
-              <a:rPr lang="en-US" sz="2400" b="1" dirty="0" smtClean="0">
-                <a:sym typeface="Wingdings" pitchFamily="2" charset="2"/>
-              </a:rPr>
-              <a:t>”</a:t>
+              <a:t>12BTC to Alice”</a:t>
             </a:r>
           </a:p>
           <a:p>
@@ -6448,7 +6514,6 @@
               <a:rPr lang="en-US" sz="2400" b="1" dirty="0" smtClean="0"/>
               <a:t>Has 0BTC</a:t>
             </a:r>
-            <a:endParaRPr lang="en-US" sz="2400" b="1" dirty="0" smtClean="0"/>
           </a:p>
         </p:txBody>
       </p:sp>
@@ -6643,7 +6708,6 @@
               <a:rPr lang="en-US" dirty="0" smtClean="0"/>
               <a:t>who has how much money</a:t>
             </a:r>
-            <a:endParaRPr lang="en-US" dirty="0" smtClean="0"/>
           </a:p>
           <a:p>
             <a:r>
@@ -6662,7 +6726,6 @@
               <a:rPr lang="en-US" dirty="0" smtClean="0"/>
               <a:t>how rich Bob is</a:t>
             </a:r>
-            <a:endParaRPr lang="en-US" dirty="0" smtClean="0"/>
           </a:p>
           <a:p>
             <a:r>
@@ -6673,7 +6736,6 @@
               <a:rPr lang="en-US" dirty="0" smtClean="0"/>
               <a:t>knows how rich Alice is</a:t>
             </a:r>
-            <a:endParaRPr lang="en-US" dirty="0" smtClean="0"/>
           </a:p>
           <a:p>
             <a:endParaRPr lang="en-US" dirty="0"/>
@@ -6681,7 +6743,11 @@
           <a:p>
             <a:r>
               <a:rPr lang="en-US" dirty="0" smtClean="0"/>
-              <a:t>Therefore, Bob cannot send money he doesn’t have</a:t>
+              <a:t>Therefore: </a:t>
+            </a:r>
+            <a:r>
+              <a:rPr lang="en-US" dirty="0" smtClean="0"/>
+              <a:t>Bob cannot send money he doesn’t have</a:t>
             </a:r>
           </a:p>
           <a:p>
@@ -6796,7 +6862,6 @@
               <a:rPr lang="en-US" dirty="0" smtClean="0"/>
               <a:t>to the network</a:t>
             </a:r>
-            <a:endParaRPr lang="en-US" dirty="0" smtClean="0"/>
           </a:p>
           <a:p>
             <a:r>
@@ -6907,7 +6972,11 @@
           <a:p>
             <a:r>
               <a:rPr lang="en-US" dirty="0" smtClean="0"/>
-              <a:t>For very real </a:t>
+              <a:t>For </a:t>
+            </a:r>
+            <a:r>
+              <a:rPr lang="en-US" dirty="0" smtClean="0"/>
+              <a:t>real </a:t>
             </a:r>
             <a:r>
               <a:rPr lang="en-US" b="1" dirty="0" smtClean="0"/>
@@ -10020,7 +10089,7 @@
         <p:spPr>
           <a:xfrm>
             <a:off x="4953000" y="5530334"/>
-            <a:ext cx="3849195" cy="369332"/>
+            <a:ext cx="2275366" cy="369332"/>
           </a:xfrm>
           <a:prstGeom prst="rect">
             <a:avLst/>
@@ -10039,7 +10108,7 @@
                   <a:srgbClr val="FF0000"/>
                 </a:solidFill>
               </a:rPr>
-              <a:t>Who knows </a:t>
+              <a:t>Is it the </a:t>
             </a:r>
             <a:r>
               <a:rPr lang="en-US" b="1" dirty="0" smtClean="0">
@@ -10047,7 +10116,7 @@
                   <a:srgbClr val="FF0000"/>
                 </a:solidFill>
               </a:rPr>
-              <a:t>if this is the same person?</a:t>
+              <a:t>same person?</a:t>
             </a:r>
             <a:endParaRPr lang="el-GR" b="1" dirty="0">
               <a:solidFill>
@@ -10256,7 +10325,6 @@
               <a:rPr lang="en-US" dirty="0" smtClean="0"/>
               <a:t>the money</a:t>
             </a:r>
-            <a:endParaRPr lang="en-US" dirty="0" smtClean="0"/>
           </a:p>
           <a:p>
             <a:r>
@@ -10305,17 +10373,17 @@
           <a:p>
             <a:r>
               <a:rPr lang="en-US" dirty="0" smtClean="0"/>
-              <a:t>For this transaction</a:t>
-            </a:r>
-          </a:p>
-          <a:p>
-            <a:r>
-              <a:rPr lang="en-US" dirty="0" smtClean="0"/>
-              <a:t>PA</a:t>
-            </a:r>
-            <a:r>
-              <a:rPr lang="en-US" dirty="0" smtClean="0"/>
-              <a:t>, SA</a:t>
+              <a:t>for </a:t>
+            </a:r>
+            <a:r>
+              <a:rPr lang="en-US" dirty="0" smtClean="0"/>
+              <a:t>this transaction</a:t>
+            </a:r>
+          </a:p>
+          <a:p>
+            <a:r>
+              <a:rPr lang="en-US" dirty="0" smtClean="0"/>
+              <a:t>PA, SA</a:t>
             </a:r>
           </a:p>
           <a:p>
@@ -10351,19 +10419,7 @@
               <a:rPr lang="en-US" dirty="0" smtClean="0">
                 <a:sym typeface="Wingdings" pitchFamily="2" charset="2"/>
               </a:rPr>
-              <a:t> “12BTC </a:t>
-            </a:r>
-            <a:r>
-              <a:rPr lang="en-US" dirty="0" smtClean="0">
-                <a:sym typeface="Wingdings" pitchFamily="2" charset="2"/>
-              </a:rPr>
-              <a:t>to PC</a:t>
-            </a:r>
-            <a:r>
-              <a:rPr lang="en-US" dirty="0" smtClean="0">
-                <a:sym typeface="Wingdings" pitchFamily="2" charset="2"/>
-              </a:rPr>
-              <a:t>”</a:t>
+              <a:t> “12BTC to PC”</a:t>
             </a:r>
           </a:p>
           <a:p>
@@ -10386,7 +10442,7 @@
         <p:spPr>
           <a:xfrm>
             <a:off x="6376860" y="866398"/>
-            <a:ext cx="2250744" cy="1477328"/>
+            <a:ext cx="2140138" cy="1477328"/>
           </a:xfrm>
           <a:prstGeom prst="rect">
             <a:avLst/>
@@ -10400,12 +10456,12 @@
           <a:lstStyle/>
           <a:p>
             <a:r>
-              <a:rPr lang="en-US" dirty="0" err="1" smtClean="0"/>
-              <a:t>Genearates</a:t>
-            </a:r>
-            <a:r>
-              <a:rPr lang="en-US" dirty="0" smtClean="0"/>
-              <a:t> a </a:t>
+              <a:rPr lang="en-US" dirty="0" smtClean="0"/>
+              <a:t>Generates </a:t>
+            </a:r>
+            <a:r>
+              <a:rPr lang="en-US" dirty="0" smtClean="0"/>
+              <a:t>a </a:t>
             </a:r>
             <a:r>
               <a:rPr lang="en-US" b="1" dirty="0" smtClean="0"/>
@@ -10419,17 +10475,17 @@
           <a:p>
             <a:r>
               <a:rPr lang="en-US" dirty="0" smtClean="0"/>
-              <a:t>For this transaction</a:t>
-            </a:r>
-          </a:p>
-          <a:p>
-            <a:r>
-              <a:rPr lang="en-US" dirty="0" smtClean="0"/>
-              <a:t>PC</a:t>
-            </a:r>
-            <a:r>
-              <a:rPr lang="en-US" dirty="0" smtClean="0"/>
-              <a:t>, SC</a:t>
+              <a:t>for </a:t>
+            </a:r>
+            <a:r>
+              <a:rPr lang="en-US" dirty="0" smtClean="0"/>
+              <a:t>this transaction</a:t>
+            </a:r>
+          </a:p>
+          <a:p>
+            <a:r>
+              <a:rPr lang="en-US" dirty="0" smtClean="0"/>
+              <a:t>PC, SC</a:t>
             </a:r>
           </a:p>
           <a:p>
@@ -10564,15 +10620,7 @@
             </a:r>
             <a:r>
               <a:rPr lang="en-US" dirty="0" smtClean="0"/>
-              <a:t>“12BTC </a:t>
-            </a:r>
-            <a:r>
-              <a:rPr lang="en-US" dirty="0" smtClean="0"/>
-              <a:t>to PA</a:t>
-            </a:r>
-            <a:r>
-              <a:rPr lang="en-US" dirty="0" smtClean="0"/>
-              <a:t>”</a:t>
+              <a:t>“12BTC to PA”</a:t>
             </a:r>
           </a:p>
           <a:p>
@@ -10870,7 +10918,6 @@
               <a:rPr lang="el-GR" dirty="0" smtClean="0"/>
               <a:t>.</a:t>
             </a:r>
-            <a:endParaRPr lang="el-GR" dirty="0" smtClean="0"/>
           </a:p>
         </p:txBody>
       </p:sp>
@@ -12711,11 +12758,7 @@
             </a:r>
             <a:r>
               <a:rPr lang="el-GR" dirty="0" smtClean="0"/>
-              <a:t> </a:t>
-            </a:r>
-            <a:r>
-              <a:rPr lang="el-GR" dirty="0" smtClean="0"/>
-              <a:t>12</a:t>
+              <a:t> 12</a:t>
             </a:r>
             <a:r>
               <a:rPr lang="en-US" dirty="0" smtClean="0"/>
@@ -13105,11 +13148,7 @@
             </a:r>
             <a:r>
               <a:rPr lang="el-GR" sz="2800" dirty="0" smtClean="0"/>
-              <a:t> </a:t>
-            </a:r>
-            <a:r>
-              <a:rPr lang="el-GR" sz="2800" dirty="0" smtClean="0"/>
-              <a:t>&gt;= </a:t>
+              <a:t> &gt;= </a:t>
             </a:r>
             <a:r>
               <a:rPr lang="en-US" sz="2800" b="1" dirty="0" smtClean="0"/>
@@ -13570,7 +13609,11 @@
             </a:r>
             <a:r>
               <a:rPr lang="en-US" b="1" dirty="0" smtClean="0"/>
-              <a:t>open source</a:t>
+              <a:t>open </a:t>
+            </a:r>
+            <a:r>
+              <a:rPr lang="en-US" b="1" dirty="0" smtClean="0"/>
+              <a:t>source client</a:t>
             </a:r>
             <a:r>
               <a:rPr lang="en-US" dirty="0" smtClean="0"/>
@@ -13682,7 +13725,6 @@
               <a:rPr lang="en-US" dirty="0" smtClean="0"/>
               <a:t>transaction in the chain</a:t>
             </a:r>
-            <a:endParaRPr lang="en-US" dirty="0" smtClean="0"/>
           </a:p>
           <a:p>
             <a:r>
@@ -13691,11 +13733,7 @@
             </a:r>
             <a:r>
               <a:rPr lang="en-US" dirty="0" smtClean="0"/>
-              <a:t> </a:t>
-            </a:r>
-            <a:r>
-              <a:rPr lang="en-US" dirty="0" smtClean="0"/>
-              <a:t>transactions are </a:t>
+              <a:t> transactions are </a:t>
             </a:r>
             <a:r>
               <a:rPr lang="en-US" b="1" dirty="0" smtClean="0"/>
@@ -13800,9 +13838,13 @@
           <a:p>
             <a:r>
               <a:rPr lang="en-US" dirty="0" smtClean="0"/>
-              <a:t>The date may be forged</a:t>
-            </a:r>
-            <a:endParaRPr lang="el-GR" dirty="0"/>
+              <a:t>The date may be </a:t>
+            </a:r>
+            <a:r>
+              <a:rPr lang="en-US" b="1" dirty="0" smtClean="0"/>
+              <a:t>forged</a:t>
+            </a:r>
+            <a:endParaRPr lang="el-GR" b="1" dirty="0"/>
           </a:p>
         </p:txBody>
       </p:sp>
@@ -13931,15 +13973,7 @@
           <a:p>
             <a:r>
               <a:rPr lang="en-US" dirty="0" smtClean="0"/>
-              <a:t>Every </a:t>
-            </a:r>
-            <a:r>
-              <a:rPr lang="en-US" dirty="0" smtClean="0"/>
-              <a:t>new </a:t>
-            </a:r>
-            <a:r>
-              <a:rPr lang="en-US" dirty="0" smtClean="0"/>
-              <a:t>block includes the </a:t>
+              <a:t>Every new block includes the </a:t>
             </a:r>
             <a:r>
               <a:rPr lang="en-US" b="1" dirty="0" smtClean="0"/>
@@ -13956,7 +13990,6 @@
               <a:rPr lang="en-US" dirty="0" smtClean="0"/>
               <a:t>Every block is published</a:t>
             </a:r>
-            <a:endParaRPr lang="en-US" dirty="0" smtClean="0"/>
           </a:p>
           <a:p>
             <a:r>
@@ -14233,7 +14266,6 @@
               <a:rPr lang="en-US" dirty="0" smtClean="0"/>
               <a:t>Blocks are calculated at the node level and broadcasted</a:t>
             </a:r>
-            <a:endParaRPr lang="en-US" dirty="0" smtClean="0"/>
           </a:p>
           <a:p>
             <a:r>
@@ -14687,7 +14719,6 @@
               <a:rPr lang="en-US" dirty="0" smtClean="0"/>
               <a:t>A block chain is generated</a:t>
             </a:r>
-            <a:endParaRPr lang="en-US" dirty="0" smtClean="0"/>
           </a:p>
           <a:p>
             <a:r>
@@ -14702,7 +14733,6 @@
               <a:rPr lang="en-US" dirty="0" smtClean="0"/>
               <a:t>block inherits from genesis</a:t>
             </a:r>
-            <a:endParaRPr lang="en-US" dirty="0" smtClean="0"/>
           </a:p>
         </p:txBody>
       </p:sp>
@@ -14815,11 +14845,6 @@
               </a:rPr>
               <a:t>genesis</a:t>
             </a:r>
-            <a:endParaRPr lang="en-US" b="1" dirty="0" smtClean="0">
-              <a:solidFill>
-                <a:srgbClr val="00B050"/>
-              </a:solidFill>
-            </a:endParaRPr>
           </a:p>
           <a:p>
             <a:r>
@@ -15304,7 +15329,6 @@
               <a:rPr lang="en-US" dirty="0" smtClean="0"/>
               <a:t>when included in the next block</a:t>
             </a:r>
-            <a:endParaRPr lang="en-US" dirty="0" smtClean="0"/>
           </a:p>
           <a:p>
             <a:r>
@@ -15334,7 +15358,6 @@
               <a:rPr lang="en-US" dirty="0" smtClean="0"/>
               <a:t> all previous blocks</a:t>
             </a:r>
-            <a:endParaRPr lang="en-US" dirty="0" smtClean="0"/>
           </a:p>
           <a:p>
             <a:r>
@@ -15399,15 +15422,7 @@
           <a:p>
             <a:r>
               <a:rPr lang="en-US" dirty="0" smtClean="0"/>
-              <a:t>Problem: </a:t>
-            </a:r>
-            <a:r>
-              <a:rPr lang="en-US" dirty="0" smtClean="0"/>
-              <a:t>Online </a:t>
-            </a:r>
-            <a:r>
-              <a:rPr lang="en-US" dirty="0" smtClean="0"/>
-              <a:t>payments</a:t>
+              <a:t>Problem: Online payments</a:t>
             </a:r>
             <a:endParaRPr lang="el-GR" dirty="0"/>
           </a:p>
@@ -15454,7 +15469,6 @@
               <a:rPr lang="en-US" b="1" dirty="0" smtClean="0"/>
               <a:t>credit cards</a:t>
             </a:r>
-            <a:endParaRPr lang="en-US" b="1" dirty="0" smtClean="0"/>
           </a:p>
           <a:p>
             <a:r>
@@ -15494,11 +15508,6 @@
               </a:rPr>
               <a:t>No anonymity</a:t>
             </a:r>
-            <a:endParaRPr lang="en-US" b="1" dirty="0" smtClean="0">
-              <a:solidFill>
-                <a:srgbClr val="FF0000"/>
-              </a:solidFill>
-            </a:endParaRPr>
           </a:p>
           <a:p>
             <a:r>
@@ -15514,7 +15523,7 @@
           <a:p>
             <a:r>
               <a:rPr lang="en-US" dirty="0" smtClean="0"/>
-              <a:t>Inability for small amounts</a:t>
+              <a:t>Can’t make very small transactions</a:t>
             </a:r>
             <a:endParaRPr lang="el-GR" dirty="0"/>
           </a:p>
@@ -15597,7 +15606,15 @@
           <a:p>
             <a:r>
               <a:rPr lang="en-US" dirty="0" smtClean="0"/>
-              <a:t>An adversary would need the majority of the network CPU to alter the chain</a:t>
+              <a:t>An adversary would need the </a:t>
+            </a:r>
+            <a:r>
+              <a:rPr lang="en-US" b="1" dirty="0" smtClean="0"/>
+              <a:t>majority</a:t>
+            </a:r>
+            <a:r>
+              <a:rPr lang="en-US" dirty="0" smtClean="0"/>
+              <a:t> of the network CPU to alter the chain</a:t>
             </a:r>
           </a:p>
           <a:p>
@@ -15613,7 +15630,6 @@
               <a:rPr lang="en-US" dirty="0" smtClean="0"/>
               <a:t>harder as a transaction becomes validated by more and more blocks</a:t>
             </a:r>
-            <a:endParaRPr lang="en-US" dirty="0" smtClean="0"/>
           </a:p>
         </p:txBody>
       </p:sp>
@@ -15726,18 +15742,16 @@
               <a:rPr lang="en-US" dirty="0" smtClean="0"/>
               <a:t>earnings for the lucky CPU</a:t>
             </a:r>
-            <a:endParaRPr lang="en-US" dirty="0" smtClean="0"/>
-          </a:p>
-          <a:p>
-            <a:r>
-              <a:rPr lang="en-US" dirty="0" smtClean="0"/>
-              <a:t>Controlled, mathematically </a:t>
-            </a:r>
-            <a:r>
-              <a:rPr lang="en-US" smtClean="0"/>
-              <a:t>predictable inflation</a:t>
-            </a:r>
-            <a:endParaRPr lang="en-US" dirty="0" smtClean="0"/>
+          </a:p>
+          <a:p>
+            <a:r>
+              <a:rPr lang="en-US" dirty="0" smtClean="0"/>
+              <a:t>Controlled, </a:t>
+            </a:r>
+            <a:r>
+              <a:rPr lang="en-US" b="1" dirty="0" smtClean="0"/>
+              <a:t>mathematically predictable inflation</a:t>
+            </a:r>
           </a:p>
         </p:txBody>
       </p:sp>
@@ -15960,7 +15974,6 @@
               <a:rPr lang="en-US" dirty="0" smtClean="0"/>
               <a:t>Using elliptic curves</a:t>
             </a:r>
-            <a:endParaRPr lang="en-US" dirty="0" smtClean="0"/>
           </a:p>
           <a:p>
             <a:r>
@@ -16090,21 +16103,13 @@
           <a:p>
             <a:r>
               <a:rPr lang="en-US" dirty="0" smtClean="0"/>
-              <a:t>172,000 </a:t>
-            </a:r>
-            <a:r>
-              <a:rPr lang="en-US" dirty="0" smtClean="0"/>
-              <a:t>blocks</a:t>
-            </a:r>
-          </a:p>
-          <a:p>
-            <a:r>
-              <a:rPr lang="en-US" dirty="0" smtClean="0"/>
-              <a:t>1BTC = </a:t>
-            </a:r>
-            <a:r>
-              <a:rPr lang="en-US" dirty="0" smtClean="0"/>
-              <a:t>3.40</a:t>
+              <a:t>172,000 blocks</a:t>
+            </a:r>
+          </a:p>
+          <a:p>
+            <a:r>
+              <a:rPr lang="en-US" dirty="0" smtClean="0"/>
+              <a:t>1BTC = 3.40</a:t>
             </a:r>
             <a:r>
               <a:rPr lang="el-GR" dirty="0" smtClean="0"/>
@@ -16137,16 +16142,11 @@
               <a:rPr lang="en-US" dirty="0" smtClean="0"/>
               <a:t>BTC in circulation</a:t>
             </a:r>
-            <a:endParaRPr lang="en-US" dirty="0" smtClean="0"/>
           </a:p>
           <a:p>
             <a:r>
               <a:rPr lang="en-US" b="1" dirty="0" smtClean="0"/>
-              <a:t>~</a:t>
-            </a:r>
-            <a:r>
-              <a:rPr lang="en-US" b="1" dirty="0" smtClean="0"/>
-              <a:t>29,000,000</a:t>
+              <a:t>~29,000,000</a:t>
             </a:r>
             <a:r>
               <a:rPr lang="el-GR" b="1" dirty="0" smtClean="0"/>
@@ -16156,20 +16156,11 @@
               <a:rPr lang="en-US" b="1" dirty="0" smtClean="0"/>
               <a:t>in value</a:t>
             </a:r>
-            <a:endParaRPr lang="en-US" b="1" dirty="0" smtClean="0"/>
-          </a:p>
-          <a:p>
-            <a:r>
-              <a:rPr lang="en-US" dirty="0" smtClean="0"/>
-              <a:t>Network hashing frequency: </a:t>
-            </a:r>
-            <a:r>
-              <a:rPr lang="en-US" dirty="0" smtClean="0"/>
-              <a:t>&gt; </a:t>
-            </a:r>
-            <a:r>
-              <a:rPr lang="en-US" dirty="0" smtClean="0"/>
-              <a:t>10THz</a:t>
+          </a:p>
+          <a:p>
+            <a:r>
+              <a:rPr lang="en-US" dirty="0" smtClean="0"/>
+              <a:t>Network hashing frequency: &gt; 10THz</a:t>
             </a:r>
             <a:endParaRPr lang="el-GR" dirty="0"/>
           </a:p>
@@ -16558,11 +16549,6 @@
               </a:rPr>
               <a:t>These slides are:</a:t>
             </a:r>
-            <a:endParaRPr lang="en-US" dirty="0" smtClean="0">
-              <a:solidFill>
-                <a:schemeClr val="bg1"/>
-              </a:solidFill>
-            </a:endParaRPr>
           </a:p>
           <a:p>
             <a:r>
@@ -16636,7 +16622,12 @@
             <p:ph type="title"/>
           </p:nvPr>
         </p:nvSpPr>
-        <p:spPr/>
+        <p:spPr>
+          <a:xfrm>
+            <a:off x="457200" y="0"/>
+            <a:ext cx="8229600" cy="1143000"/>
+          </a:xfrm>
+        </p:spPr>
         <p:txBody>
           <a:bodyPr/>
           <a:lstStyle/>
@@ -16659,22 +16650,27 @@
             <p:ph idx="1"/>
           </p:nvPr>
         </p:nvSpPr>
-        <p:spPr/>
-        <p:txBody>
-          <a:bodyPr/>
-          <a:lstStyle/>
-          <a:p>
-            <a:r>
-              <a:rPr lang="en-US" dirty="0" smtClean="0"/>
-              <a:t>We could use </a:t>
-            </a:r>
+        <p:spPr>
+          <a:xfrm>
+            <a:off x="457200" y="1143000"/>
+            <a:ext cx="8229600" cy="4648200"/>
+          </a:xfrm>
+        </p:spPr>
+        <p:txBody>
+          <a:bodyPr>
+            <a:normAutofit/>
+          </a:bodyPr>
+          <a:lstStyle/>
+          <a:p>
             <a:r>
               <a:rPr lang="en-US" b="1" dirty="0" smtClean="0"/>
-              <a:t>gold </a:t>
-            </a:r>
-            <a:r>
-              <a:rPr lang="en-US" dirty="0" smtClean="0"/>
-              <a:t>–</a:t>
+              <a:t>People dislike central control</a:t>
+            </a:r>
+          </a:p>
+          <a:p>
+            <a:r>
+              <a:rPr lang="el-GR" b="1" dirty="0" smtClean="0"/>
+              <a:t>€</a:t>
             </a:r>
             <a:r>
               <a:rPr lang="el-GR" dirty="0" smtClean="0"/>
@@ -16682,16 +16678,30 @@
             </a:r>
             <a:r>
               <a:rPr lang="en-US" dirty="0" smtClean="0"/>
-              <a:t>objective value</a:t>
-            </a:r>
-            <a:endParaRPr lang="el-GR" dirty="0" smtClean="0"/>
-          </a:p>
-          <a:p>
-            <a:r>
-              <a:rPr lang="en-US" dirty="0" smtClean="0"/>
-              <a:t>Hard to use</a:t>
-            </a:r>
-            <a:endParaRPr lang="el-GR" dirty="0" smtClean="0"/>
+              <a:t>and </a:t>
+            </a:r>
+            <a:r>
+              <a:rPr lang="el-GR" b="1" dirty="0" smtClean="0"/>
+              <a:t>$</a:t>
+            </a:r>
+            <a:r>
+              <a:rPr lang="el-GR" dirty="0" smtClean="0"/>
+              <a:t> </a:t>
+            </a:r>
+            <a:r>
+              <a:rPr lang="en-US" dirty="0" smtClean="0"/>
+              <a:t>are </a:t>
+            </a:r>
+            <a:r>
+              <a:rPr lang="en-US" b="1" dirty="0" smtClean="0"/>
+              <a:t>centrally controlled</a:t>
+            </a:r>
+          </a:p>
+          <a:p>
+            <a:r>
+              <a:rPr lang="en-US" dirty="0" smtClean="0"/>
+              <a:t>Government control of the economy may be undesired</a:t>
+            </a:r>
           </a:p>
           <a:p>
             <a:r>
@@ -16700,75 +16710,31 @@
                   <a:srgbClr val="FF0000"/>
                 </a:solidFill>
               </a:rPr>
-              <a:t>Slow</a:t>
-            </a:r>
-            <a:endParaRPr lang="el-GR" b="1" dirty="0" smtClean="0">
-              <a:solidFill>
-                <a:srgbClr val="FF0000"/>
-              </a:solidFill>
-            </a:endParaRPr>
-          </a:p>
-          <a:p>
-            <a:r>
-              <a:rPr lang="en-US" dirty="0" smtClean="0"/>
-              <a:t>Inconvenient</a:t>
-            </a:r>
+              <a:t>Centrally controlled inflation</a:t>
+            </a:r>
+          </a:p>
+          <a:p>
+            <a:pPr marL="0" indent="0">
+              <a:buNone/>
+            </a:pPr>
             <a:endParaRPr lang="en-US" dirty="0" smtClean="0"/>
           </a:p>
           <a:p>
-            <a:r>
-              <a:rPr lang="en-US" dirty="0" smtClean="0"/>
-              <a:t>Dangerous</a:t>
-            </a:r>
-            <a:endParaRPr lang="el-GR" dirty="0"/>
-          </a:p>
-        </p:txBody>
-      </p:sp>
-      <p:pic>
-        <p:nvPicPr>
-          <p:cNvPr id="11266" name="Picture 2" descr="http://www.trengovestudios.com/images/goldbars.jpg"/>
-          <p:cNvPicPr>
-            <a:picLocks noChangeAspect="1" noChangeArrowheads="1"/>
-          </p:cNvPicPr>
-          <p:nvPr/>
-        </p:nvPicPr>
-        <p:blipFill>
-          <a:blip r:embed="rId2" cstate="print">
-            <a:extLst>
-              <a:ext uri="{28A0092B-C50C-407E-A947-70E740481C1C}">
-                <a14:useLocalDpi xmlns:a14="http://schemas.microsoft.com/office/drawing/2010/main" val="0"/>
-              </a:ext>
-            </a:extLst>
-          </a:blip>
-          <a:srcRect/>
-          <a:stretch>
-            <a:fillRect/>
-          </a:stretch>
-        </p:blipFill>
-        <p:spPr bwMode="auto">
-          <a:xfrm>
-            <a:off x="6629400" y="5029200"/>
-            <a:ext cx="2141537" cy="1500201"/>
-          </a:xfrm>
-          <a:prstGeom prst="rect">
-            <a:avLst/>
-          </a:prstGeom>
-          <a:noFill/>
-          <a:extLst>
-            <a:ext uri="{909E8E84-426E-40DD-AFC4-6F175D3DCCD1}">
-              <a14:hiddenFill xmlns:a14="http://schemas.microsoft.com/office/drawing/2010/main">
-                <a:solidFill>
-                  <a:srgbClr val="FFFFFF"/>
-                </a:solidFill>
-              </a14:hiddenFill>
-            </a:ext>
-          </a:extLst>
-        </p:spPr>
-      </p:pic>
+            <a:pPr marL="0" indent="0">
+              <a:buNone/>
+            </a:pPr>
+            <a:r>
+              <a:rPr lang="en-US" dirty="0" smtClean="0"/>
+              <a:t>Many people do not trust their government for managing the economy.</a:t>
+            </a:r>
+            <a:endParaRPr lang="el-GR" dirty="0" smtClean="0"/>
+          </a:p>
+        </p:txBody>
+      </p:sp>
     </p:spTree>
     <p:extLst>
       <p:ext uri="{BB962C8B-B14F-4D97-AF65-F5344CB8AC3E}">
-        <p14:creationId xmlns:p14="http://schemas.microsoft.com/office/powerpoint/2010/main" val="1905034072"/>
+        <p14:creationId xmlns:p14="http://schemas.microsoft.com/office/powerpoint/2010/main" val="1179668403"/>
       </p:ext>
     </p:extLst>
   </p:cSld>
@@ -16812,12 +16778,7 @@
             <p:ph type="title"/>
           </p:nvPr>
         </p:nvSpPr>
-        <p:spPr>
-          <a:xfrm>
-            <a:off x="457200" y="0"/>
-            <a:ext cx="8229600" cy="1143000"/>
-          </a:xfrm>
-        </p:spPr>
+        <p:spPr/>
         <p:txBody>
           <a:bodyPr/>
           <a:lstStyle/>
@@ -16840,27 +16801,22 @@
             <p:ph idx="1"/>
           </p:nvPr>
         </p:nvSpPr>
-        <p:spPr>
-          <a:xfrm>
-            <a:off x="457200" y="1143000"/>
-            <a:ext cx="8229600" cy="4648200"/>
-          </a:xfrm>
-        </p:spPr>
-        <p:txBody>
-          <a:bodyPr>
-            <a:normAutofit/>
-          </a:bodyPr>
-          <a:lstStyle/>
-          <a:p>
+        <p:spPr/>
+        <p:txBody>
+          <a:bodyPr/>
+          <a:lstStyle/>
+          <a:p>
+            <a:r>
+              <a:rPr lang="en-US" dirty="0" smtClean="0"/>
+              <a:t>We could use </a:t>
+            </a:r>
             <a:r>
               <a:rPr lang="en-US" b="1" dirty="0" smtClean="0"/>
-              <a:t>People dislike central control</a:t>
-            </a:r>
-          </a:p>
-          <a:p>
-            <a:r>
-              <a:rPr lang="el-GR" b="1" dirty="0" smtClean="0"/>
-              <a:t>€</a:t>
+              <a:t>gold </a:t>
+            </a:r>
+            <a:r>
+              <a:rPr lang="en-US" dirty="0" smtClean="0"/>
+              <a:t>–</a:t>
             </a:r>
             <a:r>
               <a:rPr lang="el-GR" dirty="0" smtClean="0"/>
@@ -16868,32 +16824,16 @@
             </a:r>
             <a:r>
               <a:rPr lang="en-US" dirty="0" smtClean="0"/>
-              <a:t>and </a:t>
-            </a:r>
-            <a:r>
-              <a:rPr lang="el-GR" b="1" dirty="0" smtClean="0"/>
-              <a:t>$</a:t>
-            </a:r>
-            <a:r>
-              <a:rPr lang="el-GR" dirty="0" smtClean="0"/>
-              <a:t> </a:t>
-            </a:r>
-            <a:r>
-              <a:rPr lang="en-US" dirty="0" smtClean="0"/>
-              <a:t>are </a:t>
-            </a:r>
-            <a:r>
-              <a:rPr lang="en-US" b="1" dirty="0" smtClean="0"/>
-              <a:t>centrally controlled</a:t>
-            </a:r>
-            <a:endParaRPr lang="en-US" b="1" dirty="0" smtClean="0"/>
-          </a:p>
-          <a:p>
-            <a:r>
-              <a:rPr lang="en-US" dirty="0" smtClean="0"/>
-              <a:t>Government control of the economy may be undesired</a:t>
-            </a:r>
-            <a:endParaRPr lang="en-US" dirty="0" smtClean="0"/>
+              <a:t>objective value</a:t>
+            </a:r>
+            <a:endParaRPr lang="el-GR" dirty="0" smtClean="0"/>
+          </a:p>
+          <a:p>
+            <a:r>
+              <a:rPr lang="en-US" dirty="0" smtClean="0"/>
+              <a:t>Hard to use</a:t>
+            </a:r>
+            <a:endParaRPr lang="el-GR" dirty="0" smtClean="0"/>
           </a:p>
           <a:p>
             <a:r>
@@ -16902,36 +16842,74 @@
                   <a:srgbClr val="FF0000"/>
                 </a:solidFill>
               </a:rPr>
-              <a:t>Centrally controlled inflation</a:t>
-            </a:r>
-            <a:endParaRPr lang="en-US" b="1" dirty="0" smtClean="0">
+              <a:t>Slow</a:t>
+            </a:r>
+            <a:endParaRPr lang="el-GR" b="1" dirty="0" smtClean="0">
               <a:solidFill>
                 <a:srgbClr val="FF0000"/>
               </a:solidFill>
             </a:endParaRPr>
           </a:p>
           <a:p>
-            <a:pPr marL="0" indent="0">
-              <a:buNone/>
-            </a:pPr>
-            <a:endParaRPr lang="en-US" dirty="0" smtClean="0"/>
-          </a:p>
-          <a:p>
-            <a:pPr marL="0" indent="0">
-              <a:buNone/>
-            </a:pPr>
-            <a:r>
-              <a:rPr lang="en-US" dirty="0" smtClean="0"/>
-              <a:t>Many people do not trust their government for managing the economy.</a:t>
-            </a:r>
-            <a:endParaRPr lang="el-GR" dirty="0" smtClean="0"/>
-          </a:p>
-        </p:txBody>
-      </p:sp>
+            <a:r>
+              <a:rPr lang="en-US" dirty="0" smtClean="0"/>
+              <a:t>Inconvenient</a:t>
+            </a:r>
+          </a:p>
+          <a:p>
+            <a:r>
+              <a:rPr lang="en-US" dirty="0" smtClean="0"/>
+              <a:t>Dangerous</a:t>
+            </a:r>
+            <a:endParaRPr lang="el-GR" dirty="0"/>
+          </a:p>
+        </p:txBody>
+      </p:sp>
+      <p:pic>
+        <p:nvPicPr>
+          <p:cNvPr id="11266" name="Picture 2" descr="http://www.trengovestudios.com/images/goldbars.jpg"/>
+          <p:cNvPicPr>
+            <a:picLocks noChangeAspect="1" noChangeArrowheads="1"/>
+          </p:cNvPicPr>
+          <p:nvPr/>
+        </p:nvPicPr>
+        <p:blipFill>
+          <a:blip r:embed="rId2" cstate="print">
+            <a:extLst>
+              <a:ext uri="{28A0092B-C50C-407E-A947-70E740481C1C}">
+                <a14:useLocalDpi xmlns:a14="http://schemas.microsoft.com/office/drawing/2010/main" val="0"/>
+              </a:ext>
+            </a:extLst>
+          </a:blip>
+          <a:srcRect/>
+          <a:stretch>
+            <a:fillRect/>
+          </a:stretch>
+        </p:blipFill>
+        <p:spPr bwMode="auto">
+          <a:xfrm>
+            <a:off x="6629400" y="5029200"/>
+            <a:ext cx="2141537" cy="1500201"/>
+          </a:xfrm>
+          <a:prstGeom prst="rect">
+            <a:avLst/>
+          </a:prstGeom>
+          <a:noFill/>
+          <a:extLst>
+            <a:ext uri="{909E8E84-426E-40DD-AFC4-6F175D3DCCD1}">
+              <a14:hiddenFill xmlns:a14="http://schemas.microsoft.com/office/drawing/2010/main">
+                <a:solidFill>
+                  <a:srgbClr val="FFFFFF"/>
+                </a:solidFill>
+              </a14:hiddenFill>
+            </a:ext>
+          </a:extLst>
+        </p:spPr>
+      </p:pic>
     </p:spTree>
     <p:extLst>
       <p:ext uri="{BB962C8B-B14F-4D97-AF65-F5344CB8AC3E}">
-        <p14:creationId xmlns:p14="http://schemas.microsoft.com/office/powerpoint/2010/main" val="1179668403"/>
+        <p14:creationId xmlns:p14="http://schemas.microsoft.com/office/powerpoint/2010/main" val="1905034072"/>
       </p:ext>
     </p:extLst>
   </p:cSld>
@@ -17005,7 +16983,11 @@
           <a:p>
             <a:r>
               <a:rPr lang="en-US" dirty="0" smtClean="0"/>
-              <a:t>A digital currency </a:t>
+              <a:t>A digital </a:t>
+            </a:r>
+            <a:r>
+              <a:rPr lang="en-US" dirty="0" smtClean="0"/>
+              <a:t>currency: </a:t>
             </a:r>
             <a:r>
               <a:rPr lang="en-US" b="1" dirty="0" err="1" smtClean="0"/>
@@ -17020,11 +17002,7 @@
             </a:r>
             <a:r>
               <a:rPr lang="en-US" dirty="0" smtClean="0"/>
-              <a:t> </a:t>
-            </a:r>
-            <a:r>
-              <a:rPr lang="en-US" dirty="0" smtClean="0"/>
-              <a:t>network</a:t>
+              <a:t> network</a:t>
             </a:r>
             <a:endParaRPr lang="el-GR" dirty="0" smtClean="0"/>
           </a:p>
@@ -17115,11 +17093,7 @@
             </a:r>
             <a:r>
               <a:rPr lang="el-GR" dirty="0" smtClean="0"/>
-              <a:t> </a:t>
-            </a:r>
-            <a:r>
-              <a:rPr lang="el-GR" dirty="0" smtClean="0"/>
-              <a:t>(</a:t>
+              <a:t> (</a:t>
             </a:r>
             <a:r>
               <a:rPr lang="en-US" dirty="0" smtClean="0"/>
@@ -17161,7 +17135,6 @@
               <a:rPr lang="en-US" dirty="0" smtClean="0"/>
               <a:t>transactions</a:t>
             </a:r>
-            <a:endParaRPr lang="en-US" dirty="0" smtClean="0"/>
           </a:p>
           <a:p>
             <a:r>
@@ -17282,10 +17255,6 @@
           <a:p>
             <a:pPr lvl="1"/>
             <a:r>
-              <a:rPr lang="en-US" dirty="0" smtClean="0"/>
-              <a:t>Because </a:t>
-            </a:r>
-            <a:r>
               <a:rPr lang="en-US" dirty="0" err="1" smtClean="0"/>
               <a:t>bitcoin</a:t>
             </a:r>
@@ -17310,26 +17279,43 @@
             <a:pPr lvl="1"/>
             <a:r>
               <a:rPr lang="en-US" dirty="0" smtClean="0"/>
-              <a:t>Its technology makes it hard to illegalize</a:t>
-            </a:r>
-          </a:p>
-          <a:p>
-            <a:r>
-              <a:rPr lang="en-US" dirty="0" smtClean="0"/>
-              <a:t>It’s hard to track</a:t>
+              <a:t>hard </a:t>
+            </a:r>
+            <a:r>
+              <a:rPr lang="en-US" dirty="0" smtClean="0"/>
+              <a:t>to illegalize</a:t>
+            </a:r>
+          </a:p>
+          <a:p>
+            <a:r>
+              <a:rPr lang="en-US" dirty="0" smtClean="0"/>
+              <a:t>Hard to </a:t>
+            </a:r>
+            <a:r>
+              <a:rPr lang="en-US" dirty="0" smtClean="0"/>
+              <a:t>track</a:t>
             </a:r>
           </a:p>
           <a:p>
             <a:pPr lvl="1"/>
             <a:r>
               <a:rPr lang="en-US" dirty="0" smtClean="0"/>
-              <a:t>People don’t want to be tracked by the government</a:t>
-            </a:r>
-          </a:p>
-          <a:p>
-            <a:r>
-              <a:rPr lang="en-US" dirty="0" smtClean="0"/>
-              <a:t>But bad things can happen</a:t>
+              <a:t>People don’t want to be tracked by </a:t>
+            </a:r>
+            <a:r>
+              <a:rPr lang="en-US" dirty="0" smtClean="0"/>
+              <a:t>governments</a:t>
+            </a:r>
+            <a:endParaRPr lang="en-US" dirty="0" smtClean="0"/>
+          </a:p>
+          <a:p>
+            <a:r>
+              <a:rPr lang="en-US" dirty="0" smtClean="0"/>
+              <a:t>Bad </a:t>
+            </a:r>
+            <a:r>
+              <a:rPr lang="en-US" dirty="0" smtClean="0"/>
+              <a:t>things can happen</a:t>
             </a:r>
           </a:p>
           <a:p>
@@ -17343,14 +17329,35 @@
             <a:pPr lvl="1"/>
             <a:r>
               <a:rPr lang="en-US" dirty="0" smtClean="0"/>
-              <a:t>Money laundering</a:t>
-            </a:r>
-          </a:p>
-          <a:p>
-            <a:r>
-              <a:rPr lang="en-US" dirty="0" smtClean="0"/>
-              <a:t>How can a government</a:t>
-            </a:r>
+              <a:t>Money </a:t>
+            </a:r>
+            <a:r>
+              <a:rPr lang="en-US" dirty="0" smtClean="0"/>
+              <a:t>laundering</a:t>
+            </a:r>
+          </a:p>
+          <a:p>
+            <a:pPr lvl="1"/>
+            <a:r>
+              <a:rPr lang="en-US" dirty="0" smtClean="0"/>
+              <a:t>Illegal transactions (drugs, guns, …)</a:t>
+            </a:r>
+            <a:endParaRPr lang="en-US" dirty="0" smtClean="0"/>
+          </a:p>
+          <a:p>
+            <a:r>
+              <a:rPr lang="en-US" dirty="0" smtClean="0"/>
+              <a:t>Can </a:t>
+            </a:r>
+            <a:r>
+              <a:rPr lang="en-US" dirty="0" smtClean="0"/>
+              <a:t>a </a:t>
+            </a:r>
+            <a:r>
+              <a:rPr lang="en-US" dirty="0" smtClean="0"/>
+              <a:t>government…</a:t>
+            </a:r>
+            <a:endParaRPr lang="en-US" dirty="0" smtClean="0"/>
           </a:p>
           <a:p>
             <a:pPr lvl="1"/>
